--- a/11_DP.pptx
+++ b/11_DP.pptx
@@ -27,6 +27,9 @@
     <p:sldId id="275" r:id="rId21"/>
     <p:sldId id="276" r:id="rId22"/>
     <p:sldId id="277" r:id="rId23"/>
+    <p:sldId id="278" r:id="rId24"/>
+    <p:sldId id="279" r:id="rId25"/>
+    <p:sldId id="280" r:id="rId26"/>
   </p:sldIdLst>
   <p:sldSz cx="12192000" cy="6858000"/>
   <p:notesSz cx="6858000" cy="9144000"/>
@@ -125,6 +128,11 @@
       </a:defRPr>
     </a:lvl9pPr>
   </p:defaultTextStyle>
+  <p:extLst>
+    <p:ext uri="{EFAFB233-063F-42B5-8137-9DF3F51BA10A}">
+      <p15:sldGuideLst xmlns:p15="http://schemas.microsoft.com/office/powerpoint/2012/main"/>
+    </p:ext>
+  </p:extLst>
 </p:presentation>
 </file>
 
@@ -4932,7 +4940,11 @@
           <a:bodyPr/>
           <a:lstStyle/>
           <a:p>
-            <a:endParaRPr lang="zh-TW" altLang="en-US"/>
+            <a:r>
+              <a:rPr lang="en-US" altLang="zh-TW" dirty="0"/>
+              <a:t>Many other applications</a:t>
+            </a:r>
+            <a:endParaRPr lang="zh-TW" altLang="en-US" dirty="0"/>
           </a:p>
         </p:txBody>
       </p:sp>
@@ -4957,7 +4969,29 @@
           <a:bodyPr/>
           <a:lstStyle/>
           <a:p>
-            <a:endParaRPr lang="zh-TW" altLang="en-US"/>
+            <a:r>
+              <a:rPr lang="en-US" altLang="zh-TW" dirty="0"/>
+              <a:t>Edit distance</a:t>
+            </a:r>
+          </a:p>
+          <a:p>
+            <a:r>
+              <a:rPr lang="en-US" altLang="zh-TW" dirty="0"/>
+              <a:t>Max increasing subsequence</a:t>
+            </a:r>
+          </a:p>
+          <a:p>
+            <a:r>
+              <a:rPr lang="en-US" altLang="zh-TW" dirty="0"/>
+              <a:t>Staircase walk</a:t>
+            </a:r>
+          </a:p>
+          <a:p>
+            <a:r>
+              <a:rPr lang="en-US" altLang="zh-TW" dirty="0"/>
+              <a:t>…</a:t>
+            </a:r>
+            <a:endParaRPr lang="zh-TW" altLang="en-US" dirty="0"/>
           </a:p>
         </p:txBody>
       </p:sp>
@@ -4965,6 +4999,343 @@
     <p:extLst>
       <p:ext uri="{BB962C8B-B14F-4D97-AF65-F5344CB8AC3E}">
         <p14:creationId xmlns:p14="http://schemas.microsoft.com/office/powerpoint/2010/main" val="2475769931"/>
+      </p:ext>
+    </p:extLst>
+  </p:cSld>
+  <p:clrMapOvr>
+    <a:masterClrMapping/>
+  </p:clrMapOvr>
+</p:sld>
+</file>
+
+<file path=ppt/slides/slide23.xml><?xml version="1.0" encoding="utf-8"?>
+<p:sld xmlns:a="http://schemas.openxmlformats.org/drawingml/2006/main" xmlns:r="http://schemas.openxmlformats.org/officeDocument/2006/relationships" xmlns:p="http://schemas.openxmlformats.org/presentationml/2006/main">
+  <p:cSld>
+    <p:spTree>
+      <p:nvGrpSpPr>
+        <p:cNvPr id="1" name=""/>
+        <p:cNvGrpSpPr/>
+        <p:nvPr/>
+      </p:nvGrpSpPr>
+      <p:grpSpPr>
+        <a:xfrm>
+          <a:off x="0" y="0"/>
+          <a:ext cx="0" cy="0"/>
+          <a:chOff x="0" y="0"/>
+          <a:chExt cx="0" cy="0"/>
+        </a:xfrm>
+      </p:grpSpPr>
+      <p:sp>
+        <p:nvSpPr>
+          <p:cNvPr id="2" name="Title 1">
+            <a:extLst>
+              <a:ext uri="{FF2B5EF4-FFF2-40B4-BE49-F238E27FC236}">
+                <a16:creationId xmlns:a16="http://schemas.microsoft.com/office/drawing/2014/main" id="{5270AAE6-C869-48C2-B327-A8A3EEF79F5B}"/>
+              </a:ext>
+            </a:extLst>
+          </p:cNvPr>
+          <p:cNvSpPr>
+            <a:spLocks noGrp="1"/>
+          </p:cNvSpPr>
+          <p:nvPr>
+            <p:ph type="title"/>
+          </p:nvPr>
+        </p:nvSpPr>
+        <p:spPr/>
+        <p:txBody>
+          <a:bodyPr/>
+          <a:lstStyle/>
+          <a:p>
+            <a:r>
+              <a:rPr lang="en-US" altLang="zh-TW" dirty="0"/>
+              <a:t>General approach</a:t>
+            </a:r>
+            <a:endParaRPr lang="zh-TW" altLang="en-US" dirty="0"/>
+          </a:p>
+        </p:txBody>
+      </p:sp>
+      <p:sp>
+        <p:nvSpPr>
+          <p:cNvPr id="3" name="Content Placeholder 2">
+            <a:extLst>
+              <a:ext uri="{FF2B5EF4-FFF2-40B4-BE49-F238E27FC236}">
+                <a16:creationId xmlns:a16="http://schemas.microsoft.com/office/drawing/2014/main" id="{7C42BCB9-B344-4AC0-9A97-C2923B421354}"/>
+              </a:ext>
+            </a:extLst>
+          </p:cNvPr>
+          <p:cNvSpPr>
+            <a:spLocks noGrp="1"/>
+          </p:cNvSpPr>
+          <p:nvPr>
+            <p:ph idx="1"/>
+          </p:nvPr>
+        </p:nvSpPr>
+        <p:spPr/>
+        <p:txBody>
+          <a:bodyPr/>
+          <a:lstStyle/>
+          <a:p>
+            <a:r>
+              <a:rPr lang="en-US" altLang="zh-TW" dirty="0"/>
+              <a:t>Cut the original problem into small problems</a:t>
+            </a:r>
+          </a:p>
+          <a:p>
+            <a:r>
+              <a:rPr lang="en-US" altLang="zh-TW" dirty="0"/>
+              <a:t>Find a relation between the result of the small problem(s) and the big one</a:t>
+            </a:r>
+          </a:p>
+          <a:p>
+            <a:r>
+              <a:rPr lang="en-US" altLang="zh-TW" dirty="0"/>
+              <a:t>Build base cases</a:t>
+            </a:r>
+          </a:p>
+          <a:p>
+            <a:r>
+              <a:rPr lang="en-US" altLang="zh-TW" dirty="0"/>
+              <a:t>Construct the solutions step by step</a:t>
+            </a:r>
+            <a:endParaRPr lang="zh-TW" altLang="en-US" dirty="0"/>
+          </a:p>
+        </p:txBody>
+      </p:sp>
+    </p:spTree>
+    <p:extLst>
+      <p:ext uri="{BB962C8B-B14F-4D97-AF65-F5344CB8AC3E}">
+        <p14:creationId xmlns:p14="http://schemas.microsoft.com/office/powerpoint/2010/main" val="4145996764"/>
+      </p:ext>
+    </p:extLst>
+  </p:cSld>
+  <p:clrMapOvr>
+    <a:masterClrMapping/>
+  </p:clrMapOvr>
+</p:sld>
+</file>
+
+<file path=ppt/slides/slide24.xml><?xml version="1.0" encoding="utf-8"?>
+<p:sld xmlns:a="http://schemas.openxmlformats.org/drawingml/2006/main" xmlns:r="http://schemas.openxmlformats.org/officeDocument/2006/relationships" xmlns:p="http://schemas.openxmlformats.org/presentationml/2006/main">
+  <p:cSld>
+    <p:spTree>
+      <p:nvGrpSpPr>
+        <p:cNvPr id="1" name=""/>
+        <p:cNvGrpSpPr/>
+        <p:nvPr/>
+      </p:nvGrpSpPr>
+      <p:grpSpPr>
+        <a:xfrm>
+          <a:off x="0" y="0"/>
+          <a:ext cx="0" cy="0"/>
+          <a:chOff x="0" y="0"/>
+          <a:chExt cx="0" cy="0"/>
+        </a:xfrm>
+      </p:grpSpPr>
+      <p:sp>
+        <p:nvSpPr>
+          <p:cNvPr id="2" name="Title 1">
+            <a:extLst>
+              <a:ext uri="{FF2B5EF4-FFF2-40B4-BE49-F238E27FC236}">
+                <a16:creationId xmlns:a16="http://schemas.microsoft.com/office/drawing/2014/main" id="{DD2C988D-697E-49DF-8B80-5CD3F16E6DA3}"/>
+              </a:ext>
+            </a:extLst>
+          </p:cNvPr>
+          <p:cNvSpPr>
+            <a:spLocks noGrp="1"/>
+          </p:cNvSpPr>
+          <p:nvPr>
+            <p:ph type="title"/>
+          </p:nvPr>
+        </p:nvSpPr>
+        <p:spPr/>
+        <p:txBody>
+          <a:bodyPr/>
+          <a:lstStyle/>
+          <a:p>
+            <a:r>
+              <a:rPr lang="en-US" altLang="zh-TW" dirty="0"/>
+              <a:t>Exercise (Google </a:t>
+            </a:r>
+            <a:r>
+              <a:rPr lang="en-GB" altLang="zh-TW" dirty="0"/>
+              <a:t>Kickstart Round F 2017)</a:t>
+            </a:r>
+            <a:endParaRPr lang="zh-TW" altLang="en-US" dirty="0"/>
+          </a:p>
+        </p:txBody>
+      </p:sp>
+      <p:sp>
+        <p:nvSpPr>
+          <p:cNvPr id="3" name="Content Placeholder 2">
+            <a:extLst>
+              <a:ext uri="{FF2B5EF4-FFF2-40B4-BE49-F238E27FC236}">
+                <a16:creationId xmlns:a16="http://schemas.microsoft.com/office/drawing/2014/main" id="{C306D97C-9558-4051-86EC-40847899AD2A}"/>
+              </a:ext>
+            </a:extLst>
+          </p:cNvPr>
+          <p:cNvSpPr>
+            <a:spLocks noGrp="1"/>
+          </p:cNvSpPr>
+          <p:nvPr>
+            <p:ph idx="1"/>
+          </p:nvPr>
+        </p:nvSpPr>
+        <p:spPr/>
+        <p:txBody>
+          <a:bodyPr/>
+          <a:lstStyle/>
+          <a:p>
+            <a:r>
+              <a:rPr lang="en-US" altLang="zh-TW" dirty="0"/>
+              <a:t>Wheatley is at the best party in the world: it has infinitely many cakes! Each cake is a square with an integer side length (in cm). The party has infinitely many cakes of every possible integer side length. The cakes all have the same depth, so we will only consider their areas.</a:t>
+            </a:r>
+          </a:p>
+          <a:p>
+            <a:r>
+              <a:rPr lang="en-US" altLang="zh-TW" dirty="0"/>
+              <a:t>Wheatley is determined to eat one or more cakes that have a total combined area of </a:t>
+            </a:r>
+            <a:r>
+              <a:rPr lang="en-US" altLang="zh-TW" i="1" dirty="0"/>
+              <a:t>exactly</a:t>
+            </a:r>
+            <a:r>
+              <a:rPr lang="en-US" altLang="zh-TW" dirty="0"/>
+              <a:t> </a:t>
+            </a:r>
+            <a:r>
+              <a:rPr lang="en-US" altLang="zh-TW" b="1" dirty="0"/>
+              <a:t>N</a:t>
+            </a:r>
+            <a:r>
+              <a:rPr lang="en-US" altLang="zh-TW" dirty="0"/>
+              <a:t> cm</a:t>
+            </a:r>
+            <a:r>
+              <a:rPr lang="en-US" altLang="zh-TW" baseline="30000" dirty="0"/>
+              <a:t>2</a:t>
+            </a:r>
+            <a:r>
+              <a:rPr lang="en-US" altLang="zh-TW" dirty="0"/>
+              <a:t>. But, since he is health-conscious, he wants to eat as few cakes as possible. Can you help him calculate the minimum number of cakes he can eat?</a:t>
+            </a:r>
+          </a:p>
+          <a:p>
+            <a:endParaRPr lang="en-US" altLang="zh-TW" dirty="0"/>
+          </a:p>
+          <a:p>
+            <a:r>
+              <a:rPr lang="en-US" altLang="zh-TW" dirty="0"/>
+              <a:t>Constraint : N&lt;=10000</a:t>
+            </a:r>
+          </a:p>
+        </p:txBody>
+      </p:sp>
+    </p:spTree>
+    <p:extLst>
+      <p:ext uri="{BB962C8B-B14F-4D97-AF65-F5344CB8AC3E}">
+        <p14:creationId xmlns:p14="http://schemas.microsoft.com/office/powerpoint/2010/main" val="1452753115"/>
+      </p:ext>
+    </p:extLst>
+  </p:cSld>
+  <p:clrMapOvr>
+    <a:masterClrMapping/>
+  </p:clrMapOvr>
+</p:sld>
+</file>
+
+<file path=ppt/slides/slide25.xml><?xml version="1.0" encoding="utf-8"?>
+<p:sld xmlns:a="http://schemas.openxmlformats.org/drawingml/2006/main" xmlns:r="http://schemas.openxmlformats.org/officeDocument/2006/relationships" xmlns:p="http://schemas.openxmlformats.org/presentationml/2006/main">
+  <p:cSld>
+    <p:spTree>
+      <p:nvGrpSpPr>
+        <p:cNvPr id="1" name=""/>
+        <p:cNvGrpSpPr/>
+        <p:nvPr/>
+      </p:nvGrpSpPr>
+      <p:grpSpPr>
+        <a:xfrm>
+          <a:off x="0" y="0"/>
+          <a:ext cx="0" cy="0"/>
+          <a:chOff x="0" y="0"/>
+          <a:chExt cx="0" cy="0"/>
+        </a:xfrm>
+      </p:grpSpPr>
+      <p:sp>
+        <p:nvSpPr>
+          <p:cNvPr id="2" name="Title 1">
+            <a:extLst>
+              <a:ext uri="{FF2B5EF4-FFF2-40B4-BE49-F238E27FC236}">
+                <a16:creationId xmlns:a16="http://schemas.microsoft.com/office/drawing/2014/main" id="{37D2E77C-7214-40E1-B691-A014AE88615A}"/>
+              </a:ext>
+            </a:extLst>
+          </p:cNvPr>
+          <p:cNvSpPr>
+            <a:spLocks noGrp="1"/>
+          </p:cNvSpPr>
+          <p:nvPr>
+            <p:ph type="title"/>
+          </p:nvPr>
+        </p:nvSpPr>
+        <p:spPr/>
+        <p:txBody>
+          <a:bodyPr/>
+          <a:lstStyle/>
+          <a:p>
+            <a:r>
+              <a:rPr lang="en-US" altLang="zh-TW" dirty="0"/>
+              <a:t>You just made some simulations of…</a:t>
+            </a:r>
+            <a:endParaRPr lang="zh-TW" altLang="en-US" dirty="0"/>
+          </a:p>
+        </p:txBody>
+      </p:sp>
+      <p:sp>
+        <p:nvSpPr>
+          <p:cNvPr id="3" name="Content Placeholder 2">
+            <a:extLst>
+              <a:ext uri="{FF2B5EF4-FFF2-40B4-BE49-F238E27FC236}">
+                <a16:creationId xmlns:a16="http://schemas.microsoft.com/office/drawing/2014/main" id="{318CFA13-C57F-429C-BE13-3842D44AC479}"/>
+              </a:ext>
+            </a:extLst>
+          </p:cNvPr>
+          <p:cNvSpPr>
+            <a:spLocks noGrp="1"/>
+          </p:cNvSpPr>
+          <p:nvPr>
+            <p:ph idx="1"/>
+          </p:nvPr>
+        </p:nvSpPr>
+        <p:spPr/>
+        <p:txBody>
+          <a:bodyPr/>
+          <a:lstStyle/>
+          <a:p>
+            <a:r>
+              <a:rPr lang="en-GB" altLang="zh-TW" dirty="0"/>
+              <a:t>Lagrange's four-square theorem</a:t>
+            </a:r>
+          </a:p>
+          <a:p>
+            <a:endParaRPr lang="en-US" altLang="zh-TW" dirty="0"/>
+          </a:p>
+          <a:p>
+            <a:r>
+              <a:rPr lang="en-US" altLang="zh-TW"/>
+              <a:t>Every </a:t>
+            </a:r>
+            <a:r>
+              <a:rPr lang="en-US" altLang="zh-TW" dirty="0"/>
+              <a:t>natural number can be represented as the sum of four integer squares.</a:t>
+            </a:r>
+            <a:endParaRPr lang="zh-TW" altLang="en-US" dirty="0"/>
+          </a:p>
+        </p:txBody>
+      </p:sp>
+    </p:spTree>
+    <p:extLst>
+      <p:ext uri="{BB962C8B-B14F-4D97-AF65-F5344CB8AC3E}">
+        <p14:creationId xmlns:p14="http://schemas.microsoft.com/office/powerpoint/2010/main" val="571289450"/>
       </p:ext>
     </p:extLst>
   </p:cSld>
@@ -5237,8 +5608,8 @@
           </a:p>
         </p:txBody>
       </p:sp>
-      <mc:AlternateContent xmlns:mc="http://schemas.openxmlformats.org/markup-compatibility/2006">
-        <mc:Choice xmlns:a14="http://schemas.microsoft.com/office/drawing/2010/main" Requires="a14">
+      <mc:AlternateContent xmlns:mc="http://schemas.openxmlformats.org/markup-compatibility/2006" xmlns:a14="http://schemas.microsoft.com/office/drawing/2010/main">
+        <mc:Choice Requires="a14">
           <p:sp>
             <p:nvSpPr>
               <p:cNvPr id="3" name="Content Placeholder 2">
@@ -5329,7 +5700,7 @@
             </p:txBody>
           </p:sp>
         </mc:Choice>
-        <mc:Fallback>
+        <mc:Fallback xmlns="">
           <p:sp>
             <p:nvSpPr>
               <p:cNvPr id="3" name="Content Placeholder 2">

--- a/11_DP.pptx
+++ b/11_DP.pptx
@@ -30,6 +30,7 @@
     <p:sldId id="278" r:id="rId24"/>
     <p:sldId id="279" r:id="rId25"/>
     <p:sldId id="280" r:id="rId26"/>
+    <p:sldId id="281" r:id="rId27"/>
   </p:sldIdLst>
   <p:sldSz cx="12192000" cy="6858000"/>
   <p:notesSz cx="6858000" cy="9144000"/>
@@ -5345,6 +5346,120 @@
 </p:sld>
 </file>
 
+<file path=ppt/slides/slide26.xml><?xml version="1.0" encoding="utf-8"?>
+<p:sld xmlns:a="http://schemas.openxmlformats.org/drawingml/2006/main" xmlns:r="http://schemas.openxmlformats.org/officeDocument/2006/relationships" xmlns:p="http://schemas.openxmlformats.org/presentationml/2006/main">
+  <p:cSld>
+    <p:spTree>
+      <p:nvGrpSpPr>
+        <p:cNvPr id="1" name=""/>
+        <p:cNvGrpSpPr/>
+        <p:nvPr/>
+      </p:nvGrpSpPr>
+      <p:grpSpPr>
+        <a:xfrm>
+          <a:off x="0" y="0"/>
+          <a:ext cx="0" cy="0"/>
+          <a:chOff x="0" y="0"/>
+          <a:chExt cx="0" cy="0"/>
+        </a:xfrm>
+      </p:grpSpPr>
+      <p:sp>
+        <p:nvSpPr>
+          <p:cNvPr id="2" name="Title 1">
+            <a:extLst>
+              <a:ext uri="{FF2B5EF4-FFF2-40B4-BE49-F238E27FC236}">
+                <a16:creationId xmlns:a16="http://schemas.microsoft.com/office/drawing/2014/main" id="{DAD2C936-8DF6-4E38-99B5-56C4371ACE56}"/>
+              </a:ext>
+            </a:extLst>
+          </p:cNvPr>
+          <p:cNvSpPr>
+            <a:spLocks noGrp="1"/>
+          </p:cNvSpPr>
+          <p:nvPr>
+            <p:ph type="title"/>
+          </p:nvPr>
+        </p:nvSpPr>
+        <p:spPr/>
+        <p:txBody>
+          <a:bodyPr/>
+          <a:lstStyle/>
+          <a:p>
+            <a:r>
+              <a:rPr lang="en-US" altLang="zh-TW" dirty="0"/>
+              <a:t>NTU 2013</a:t>
+            </a:r>
+            <a:endParaRPr lang="zh-TW" altLang="en-US" dirty="0"/>
+          </a:p>
+        </p:txBody>
+      </p:sp>
+      <p:sp>
+        <p:nvSpPr>
+          <p:cNvPr id="3" name="Content Placeholder 2">
+            <a:extLst>
+              <a:ext uri="{FF2B5EF4-FFF2-40B4-BE49-F238E27FC236}">
+                <a16:creationId xmlns:a16="http://schemas.microsoft.com/office/drawing/2014/main" id="{A2D98A20-1A37-4634-A278-B7233B81CF76}"/>
+              </a:ext>
+            </a:extLst>
+          </p:cNvPr>
+          <p:cNvSpPr>
+            <a:spLocks noGrp="1"/>
+          </p:cNvSpPr>
+          <p:nvPr>
+            <p:ph idx="1"/>
+          </p:nvPr>
+        </p:nvSpPr>
+        <p:spPr/>
+        <p:txBody>
+          <a:bodyPr/>
+          <a:lstStyle/>
+          <a:p>
+            <a:endParaRPr lang="zh-TW" altLang="en-US"/>
+          </a:p>
+        </p:txBody>
+      </p:sp>
+      <p:pic>
+        <p:nvPicPr>
+          <p:cNvPr id="5" name="Picture 4">
+            <a:extLst>
+              <a:ext uri="{FF2B5EF4-FFF2-40B4-BE49-F238E27FC236}">
+                <a16:creationId xmlns:a16="http://schemas.microsoft.com/office/drawing/2014/main" id="{791D537B-DC43-4CDE-A257-B77CA0323CA2}"/>
+              </a:ext>
+            </a:extLst>
+          </p:cNvPr>
+          <p:cNvPicPr>
+            <a:picLocks noChangeAspect="1"/>
+          </p:cNvPicPr>
+          <p:nvPr/>
+        </p:nvPicPr>
+        <p:blipFill>
+          <a:blip r:embed="rId2"/>
+          <a:stretch>
+            <a:fillRect/>
+          </a:stretch>
+        </p:blipFill>
+        <p:spPr>
+          <a:xfrm>
+            <a:off x="1763382" y="1789665"/>
+            <a:ext cx="8762491" cy="4802071"/>
+          </a:xfrm>
+          <a:prstGeom prst="rect">
+            <a:avLst/>
+          </a:prstGeom>
+        </p:spPr>
+      </p:pic>
+    </p:spTree>
+    <p:extLst>
+      <p:ext uri="{BB962C8B-B14F-4D97-AF65-F5344CB8AC3E}">
+        <p14:creationId xmlns:p14="http://schemas.microsoft.com/office/powerpoint/2010/main" val="2031000527"/>
+      </p:ext>
+    </p:extLst>
+  </p:cSld>
+  <p:clrMapOvr>
+    <a:masterClrMapping/>
+  </p:clrMapOvr>
+</p:sld>
+</file>
+
 <file path=ppt/slides/slide3.xml><?xml version="1.0" encoding="utf-8"?>
 <p:sld xmlns:a="http://schemas.openxmlformats.org/drawingml/2006/main" xmlns:r="http://schemas.openxmlformats.org/officeDocument/2006/relationships" xmlns:p="http://schemas.openxmlformats.org/presentationml/2006/main">
   <p:cSld>
